--- a/Presentation.pptx
+++ b/Presentation.pptx
@@ -259,7 +259,7 @@
           <a:p>
             <a:fld id="{04F99C33-0C8D-43BB-871E-6371A7E0AE28}" type="datetimeFigureOut">
               <a:rPr lang="zh-CN" altLang="en-US" smtClean="0"/>
-              <a:t>2018/6/4 Monday</a:t>
+              <a:t>2018/6/5 Tuesday</a:t>
             </a:fld>
             <a:endParaRPr lang="zh-CN" altLang="en-US"/>
           </a:p>
@@ -4128,12 +4128,20 @@
           <a:p>
             <a:pPr lvl="1"/>
             <a:r>
+              <a:rPr lang="zh-CN" altLang="en-US" dirty="0" smtClean="0"/>
+              <a:t>门票锁（</a:t>
+            </a:r>
+            <a:r>
               <a:rPr lang="en-US" altLang="zh-CN" dirty="0" smtClean="0"/>
               <a:t>Ticket </a:t>
             </a:r>
             <a:r>
               <a:rPr lang="en-US" altLang="zh-CN" dirty="0" err="1" smtClean="0"/>
               <a:t>mutex</a:t>
+            </a:r>
+            <a:r>
+              <a:rPr lang="zh-CN" altLang="en-US" smtClean="0"/>
+              <a:t>）</a:t>
             </a:r>
             <a:endParaRPr lang="en-US" altLang="zh-CN" dirty="0" smtClean="0"/>
           </a:p>
@@ -7555,11 +7563,11 @@
   <p:clrMapOvr>
     <a:masterClrMapping/>
   </p:clrMapOvr>
-  <mc:AlternateContent xmlns:mc="http://schemas.openxmlformats.org/markup-compatibility/2006">
-    <mc:Choice xmlns:p14="http://schemas.microsoft.com/office/powerpoint/2010/main" Requires="p14">
+  <mc:AlternateContent xmlns:mc="http://schemas.openxmlformats.org/markup-compatibility/2006" xmlns:p14="http://schemas.microsoft.com/office/powerpoint/2010/main">
+    <mc:Choice Requires="p14">
       <p:transition p14:dur="0"/>
     </mc:Choice>
-    <mc:Fallback>
+    <mc:Fallback xmlns="">
       <p:transition/>
     </mc:Fallback>
   </mc:AlternateContent>

--- a/Presentation.pptx
+++ b/Presentation.pptx
@@ -339,7 +339,7 @@
           <a:p>
             <a:fld id="{04F99C33-0C8D-43BB-871E-6371A7E0AE28}" type="datetimeFigureOut">
               <a:rPr lang="zh-CN" altLang="en-US" smtClean="0"/>
-              <a:t>2018/6/5 Tuesday</a:t>
+              <a:t>2018/6/6 Wednesday</a:t>
             </a:fld>
             <a:endParaRPr lang="zh-CN" altLang="en-US"/>
           </a:p>
@@ -4879,8 +4879,8 @@
           </a:p>
         </p:txBody>
       </p:sp>
-      <mc:AlternateContent xmlns:mc="http://schemas.openxmlformats.org/markup-compatibility/2006">
-        <mc:Choice xmlns:a14="http://schemas.microsoft.com/office/drawing/2010/main" Requires="a14">
+      <mc:AlternateContent xmlns:mc="http://schemas.openxmlformats.org/markup-compatibility/2006" xmlns:a14="http://schemas.microsoft.com/office/drawing/2010/main">
+        <mc:Choice Requires="a14">
           <p:sp>
             <p:nvSpPr>
               <p:cNvPr id="3" name="内容占位符 2"/>
@@ -5273,7 +5273,7 @@
             </p:txBody>
           </p:sp>
         </mc:Choice>
-        <mc:Fallback>
+        <mc:Fallback xmlns="">
           <p:sp>
             <p:nvSpPr>
               <p:cNvPr id="3" name="内容占位符 2"/>
@@ -7564,8 +7564,8 @@
               <a:t> </a:t>
             </a:r>
             <a:r>
-              <a:rPr lang="en-US" altLang="zh-CN" dirty="0" err="1" smtClean="0"/>
-              <a:t>mutex</a:t>
+              <a:rPr lang="en-US" altLang="zh-CN" dirty="0"/>
+              <a:t>lock</a:t>
             </a:r>
             <a:endParaRPr lang="en-US" altLang="zh-CN" dirty="0"/>
           </a:p>
@@ -7580,8 +7580,8 @@
               <a:t>Ticket </a:t>
             </a:r>
             <a:r>
-              <a:rPr lang="en-US" altLang="zh-CN" dirty="0" err="1" smtClean="0"/>
-              <a:t>mutex</a:t>
+              <a:rPr lang="en-US" altLang="zh-CN" dirty="0" smtClean="0"/>
+              <a:t>lock</a:t>
             </a:r>
             <a:r>
               <a:rPr lang="zh-CN" altLang="en-US" dirty="0" smtClean="0"/>
@@ -7611,11 +7611,11 @@
               <a:t>Array-based </a:t>
             </a:r>
             <a:r>
-              <a:rPr lang="en-US" altLang="zh-CN" dirty="0" err="1"/>
-              <a:t>mutex</a:t>
-            </a:r>
-            <a:r>
-              <a:rPr lang="zh-CN" altLang="en-US" dirty="0"/>
+              <a:rPr lang="en-US" altLang="zh-CN" dirty="0" smtClean="0"/>
+              <a:t>lock</a:t>
+            </a:r>
+            <a:r>
+              <a:rPr lang="zh-CN" altLang="en-US" dirty="0" smtClean="0"/>
               <a:t>）</a:t>
             </a:r>
             <a:endParaRPr lang="en-US" altLang="zh-CN" dirty="0"/>
@@ -7631,8 +7631,8 @@
               <a:t>Linked-list-based </a:t>
             </a:r>
             <a:r>
-              <a:rPr lang="en-US" altLang="zh-CN" dirty="0" err="1"/>
-              <a:t>mutex</a:t>
+              <a:rPr lang="en-US" altLang="zh-CN" dirty="0" smtClean="0"/>
+              <a:t>lock</a:t>
             </a:r>
             <a:r>
               <a:rPr lang="zh-CN" altLang="en-US" dirty="0" smtClean="0"/>
@@ -10705,11 +10705,7 @@
           <a:p>
             <a:r>
               <a:rPr lang="zh-CN" altLang="en-US" dirty="0" smtClean="0"/>
-              <a:t>互斥</a:t>
-            </a:r>
-            <a:r>
-              <a:rPr lang="zh-CN" altLang="en-US" dirty="0" smtClean="0"/>
-              <a:t>锁</a:t>
+              <a:t>互斥锁</a:t>
             </a:r>
             <a:endParaRPr lang="en-US" altLang="zh-CN" dirty="0" smtClean="0"/>
           </a:p>
@@ -16225,11 +16221,7 @@
           <a:p>
             <a:r>
               <a:rPr lang="zh-CN" altLang="en-US" dirty="0" smtClean="0"/>
-              <a:t>形式化</a:t>
-            </a:r>
-            <a:r>
-              <a:rPr lang="zh-CN" altLang="en-US" dirty="0" smtClean="0"/>
-              <a:t>验证</a:t>
+              <a:t>形式化验证</a:t>
             </a:r>
             <a:endParaRPr lang="en-US" altLang="zh-CN" dirty="0" smtClean="0"/>
           </a:p>
